--- a/08Infer/01Introduction.pptx
+++ b/08Infer/01Introduction.pptx
@@ -228,7 +228,7 @@
           <a:p>
             <a:fld id="{E8CF71B8-DF2A-2E41-BE66-2E18A767DA8A}" type="datetimeFigureOut">
               <a:rPr lang="en-US" smtClean="0"/>
-              <a:t>12/7/24</a:t>
+              <a:t>12/8/24</a:t>
             </a:fld>
             <a:endParaRPr lang="en-US"/>
           </a:p>
@@ -405,7 +405,7 @@
           <a:p>
             <a:fld id="{0DD60A27-BF12-6744-9E93-932A0E34D8BB}" type="datetimeFigureOut">
               <a:rPr lang="en-US" smtClean="0"/>
-              <a:t>12/7/24</a:t>
+              <a:t>12/8/24</a:t>
             </a:fld>
             <a:endParaRPr lang="en-US"/>
           </a:p>
@@ -30950,7 +30950,7 @@
           <a:blip r:embed="rId3">
             <a:extLst>
               <a:ext uri="{28A0092B-C50C-407E-A947-70E740481C1C}">
-                <a14:useLocalDpi xmlns:a14="http://schemas.microsoft.com/office/drawing/2010/main" val="0"/>
+                <a14:useLocalDpi xmlns:a14="http://schemas.microsoft.com/office/drawing/2010/main"/>
               </a:ext>
             </a:extLst>
           </a:blip>
@@ -31701,7 +31701,7 @@
           <a:blip r:embed="rId2">
             <a:extLst>
               <a:ext uri="{28A0092B-C50C-407E-A947-70E740481C1C}">
-                <a14:useLocalDpi xmlns:a14="http://schemas.microsoft.com/office/drawing/2010/main" val="0"/>
+                <a14:useLocalDpi xmlns:a14="http://schemas.microsoft.com/office/drawing/2010/main"/>
               </a:ext>
             </a:extLst>
           </a:blip>
@@ -31787,14 +31787,14 @@
           <p:nvPr/>
         </p:nvPicPr>
         <p:blipFill rotWithShape="1">
-          <a:blip r:embed="rId2">
+          <a:blip r:embed="rId2" cstate="print">
             <a:extLst>
               <a:ext uri="{28A0092B-C50C-407E-A947-70E740481C1C}">
-                <a14:useLocalDpi xmlns:a14="http://schemas.microsoft.com/office/drawing/2010/main" val="0"/>
+                <a14:useLocalDpi xmlns:a14="http://schemas.microsoft.com/office/drawing/2010/main"/>
               </a:ext>
             </a:extLst>
           </a:blip>
-          <a:srcRect l="11855" t="14213" r="10155" b="14290"/>
+          <a:srcRect/>
           <a:stretch/>
         </p:blipFill>
         <p:spPr>
@@ -31850,14 +31850,14 @@
           <p:nvPr/>
         </p:nvPicPr>
         <p:blipFill rotWithShape="1">
-          <a:blip r:embed="rId3">
+          <a:blip r:embed="rId3" cstate="print">
             <a:extLst>
               <a:ext uri="{28A0092B-C50C-407E-A947-70E740481C1C}">
-                <a14:useLocalDpi xmlns:a14="http://schemas.microsoft.com/office/drawing/2010/main" val="0"/>
+                <a14:useLocalDpi xmlns:a14="http://schemas.microsoft.com/office/drawing/2010/main"/>
               </a:ext>
             </a:extLst>
           </a:blip>
-          <a:srcRect l="4510" t="4220" r="4192" b="4220"/>
+          <a:srcRect/>
           <a:stretch/>
         </p:blipFill>
         <p:spPr>
@@ -31959,7 +31959,7 @@
           <a:blip r:embed="rId2">
             <a:extLst>
               <a:ext uri="{28A0092B-C50C-407E-A947-70E740481C1C}">
-                <a14:useLocalDpi xmlns:a14="http://schemas.microsoft.com/office/drawing/2010/main" val="0"/>
+                <a14:useLocalDpi xmlns:a14="http://schemas.microsoft.com/office/drawing/2010/main"/>
               </a:ext>
             </a:extLst>
           </a:blip>
@@ -32063,14 +32063,14 @@
           <p:nvPr/>
         </p:nvPicPr>
         <p:blipFill rotWithShape="1">
-          <a:blip r:embed="rId2">
+          <a:blip r:embed="rId2" cstate="print">
             <a:extLst>
               <a:ext uri="{28A0092B-C50C-407E-A947-70E740481C1C}">
-                <a14:useLocalDpi xmlns:a14="http://schemas.microsoft.com/office/drawing/2010/main" val="0"/>
+                <a14:useLocalDpi xmlns:a14="http://schemas.microsoft.com/office/drawing/2010/main"/>
               </a:ext>
             </a:extLst>
           </a:blip>
-          <a:srcRect l="13261" t="21400" r="14060" b="20676"/>
+          <a:srcRect/>
           <a:stretch/>
         </p:blipFill>
         <p:spPr>
@@ -32170,14 +32170,14 @@
           </p:nvPr>
         </p:nvPicPr>
         <p:blipFill rotWithShape="1">
-          <a:blip r:embed="rId2">
+          <a:blip r:embed="rId2" cstate="print">
             <a:extLst>
               <a:ext uri="{28A0092B-C50C-407E-A947-70E740481C1C}">
-                <a14:useLocalDpi xmlns:a14="http://schemas.microsoft.com/office/drawing/2010/main" val="0"/>
+                <a14:useLocalDpi xmlns:a14="http://schemas.microsoft.com/office/drawing/2010/main"/>
               </a:ext>
             </a:extLst>
           </a:blip>
-          <a:srcRect l="13721" t="23778" r="14439" b="19641"/>
+          <a:srcRect/>
           <a:stretch/>
         </p:blipFill>
         <p:spPr>
@@ -32274,14 +32274,14 @@
           </p:nvPr>
         </p:nvPicPr>
         <p:blipFill rotWithShape="1">
-          <a:blip r:embed="rId2">
+          <a:blip r:embed="rId2" cstate="print">
             <a:extLst>
               <a:ext uri="{28A0092B-C50C-407E-A947-70E740481C1C}">
-                <a14:useLocalDpi xmlns:a14="http://schemas.microsoft.com/office/drawing/2010/main" val="0"/>
+                <a14:useLocalDpi xmlns:a14="http://schemas.microsoft.com/office/drawing/2010/main"/>
               </a:ext>
             </a:extLst>
           </a:blip>
-          <a:srcRect l="14826" t="27373" r="15253" b="23278"/>
+          <a:srcRect/>
           <a:stretch/>
         </p:blipFill>
         <p:spPr>
@@ -32378,14 +32378,14 @@
           </p:nvPr>
         </p:nvPicPr>
         <p:blipFill rotWithShape="1">
-          <a:blip r:embed="rId2">
+          <a:blip r:embed="rId2" cstate="print">
             <a:extLst>
               <a:ext uri="{28A0092B-C50C-407E-A947-70E740481C1C}">
-                <a14:useLocalDpi xmlns:a14="http://schemas.microsoft.com/office/drawing/2010/main" val="0"/>
+                <a14:useLocalDpi xmlns:a14="http://schemas.microsoft.com/office/drawing/2010/main"/>
               </a:ext>
             </a:extLst>
           </a:blip>
-          <a:srcRect l="12658" t="19792" r="11613" b="19751"/>
+          <a:srcRect/>
           <a:stretch/>
         </p:blipFill>
         <p:spPr>
@@ -32482,14 +32482,14 @@
           </p:nvPr>
         </p:nvPicPr>
         <p:blipFill rotWithShape="1">
-          <a:blip r:embed="rId2">
+          <a:blip r:embed="rId2" cstate="print">
             <a:extLst>
               <a:ext uri="{28A0092B-C50C-407E-A947-70E740481C1C}">
-                <a14:useLocalDpi xmlns:a14="http://schemas.microsoft.com/office/drawing/2010/main" val="0"/>
+                <a14:useLocalDpi xmlns:a14="http://schemas.microsoft.com/office/drawing/2010/main"/>
               </a:ext>
             </a:extLst>
           </a:blip>
-          <a:srcRect l="13645" t="33430" r="14070" b="29830"/>
+          <a:srcRect/>
           <a:stretch/>
         </p:blipFill>
         <p:spPr>
